--- a/Chapter6/Figures/Fig8.pptx
+++ b/Chapter6/Figures/Fig8.pptx
@@ -288,7 +288,7 @@
           <a:p>
             <a:fld id="{E2F1EB20-7BAF-476C-8D39-F3C6F5139B9D}" type="datetimeFigureOut">
               <a:rPr lang="en-GB" smtClean="0"/>
-              <a:t>20/05/2014</a:t>
+              <a:t>04/07/2014</a:t>
             </a:fld>
             <a:endParaRPr lang="en-GB"/>
           </a:p>
@@ -458,7 +458,7 @@
           <a:p>
             <a:fld id="{E2F1EB20-7BAF-476C-8D39-F3C6F5139B9D}" type="datetimeFigureOut">
               <a:rPr lang="en-GB" smtClean="0"/>
-              <a:t>20/05/2014</a:t>
+              <a:t>04/07/2014</a:t>
             </a:fld>
             <a:endParaRPr lang="en-GB"/>
           </a:p>
@@ -638,7 +638,7 @@
           <a:p>
             <a:fld id="{E2F1EB20-7BAF-476C-8D39-F3C6F5139B9D}" type="datetimeFigureOut">
               <a:rPr lang="en-GB" smtClean="0"/>
-              <a:t>20/05/2014</a:t>
+              <a:t>04/07/2014</a:t>
             </a:fld>
             <a:endParaRPr lang="en-GB"/>
           </a:p>
@@ -808,7 +808,7 @@
           <a:p>
             <a:fld id="{E2F1EB20-7BAF-476C-8D39-F3C6F5139B9D}" type="datetimeFigureOut">
               <a:rPr lang="en-GB" smtClean="0"/>
-              <a:t>20/05/2014</a:t>
+              <a:t>04/07/2014</a:t>
             </a:fld>
             <a:endParaRPr lang="en-GB"/>
           </a:p>
@@ -1054,7 +1054,7 @@
           <a:p>
             <a:fld id="{E2F1EB20-7BAF-476C-8D39-F3C6F5139B9D}" type="datetimeFigureOut">
               <a:rPr lang="en-GB" smtClean="0"/>
-              <a:t>20/05/2014</a:t>
+              <a:t>04/07/2014</a:t>
             </a:fld>
             <a:endParaRPr lang="en-GB"/>
           </a:p>
@@ -1342,7 +1342,7 @@
           <a:p>
             <a:fld id="{E2F1EB20-7BAF-476C-8D39-F3C6F5139B9D}" type="datetimeFigureOut">
               <a:rPr lang="en-GB" smtClean="0"/>
-              <a:t>20/05/2014</a:t>
+              <a:t>04/07/2014</a:t>
             </a:fld>
             <a:endParaRPr lang="en-GB"/>
           </a:p>
@@ -1764,7 +1764,7 @@
           <a:p>
             <a:fld id="{E2F1EB20-7BAF-476C-8D39-F3C6F5139B9D}" type="datetimeFigureOut">
               <a:rPr lang="en-GB" smtClean="0"/>
-              <a:t>20/05/2014</a:t>
+              <a:t>04/07/2014</a:t>
             </a:fld>
             <a:endParaRPr lang="en-GB"/>
           </a:p>
@@ -1882,7 +1882,7 @@
           <a:p>
             <a:fld id="{E2F1EB20-7BAF-476C-8D39-F3C6F5139B9D}" type="datetimeFigureOut">
               <a:rPr lang="en-GB" smtClean="0"/>
-              <a:t>20/05/2014</a:t>
+              <a:t>04/07/2014</a:t>
             </a:fld>
             <a:endParaRPr lang="en-GB"/>
           </a:p>
@@ -1977,7 +1977,7 @@
           <a:p>
             <a:fld id="{E2F1EB20-7BAF-476C-8D39-F3C6F5139B9D}" type="datetimeFigureOut">
               <a:rPr lang="en-GB" smtClean="0"/>
-              <a:t>20/05/2014</a:t>
+              <a:t>04/07/2014</a:t>
             </a:fld>
             <a:endParaRPr lang="en-GB"/>
           </a:p>
@@ -2254,7 +2254,7 @@
           <a:p>
             <a:fld id="{E2F1EB20-7BAF-476C-8D39-F3C6F5139B9D}" type="datetimeFigureOut">
               <a:rPr lang="en-GB" smtClean="0"/>
-              <a:t>20/05/2014</a:t>
+              <a:t>04/07/2014</a:t>
             </a:fld>
             <a:endParaRPr lang="en-GB"/>
           </a:p>
@@ -2507,7 +2507,7 @@
           <a:p>
             <a:fld id="{E2F1EB20-7BAF-476C-8D39-F3C6F5139B9D}" type="datetimeFigureOut">
               <a:rPr lang="en-GB" smtClean="0"/>
-              <a:t>20/05/2014</a:t>
+              <a:t>04/07/2014</a:t>
             </a:fld>
             <a:endParaRPr lang="en-GB"/>
           </a:p>
@@ -2720,7 +2720,7 @@
           <a:p>
             <a:fld id="{E2F1EB20-7BAF-476C-8D39-F3C6F5139B9D}" type="datetimeFigureOut">
               <a:rPr lang="en-GB" smtClean="0"/>
-              <a:t>20/05/2014</a:t>
+              <a:t>04/07/2014</a:t>
             </a:fld>
             <a:endParaRPr lang="en-GB"/>
           </a:p>
@@ -3097,6 +3097,86 @@
       </p:grpSpPr>
       <p:pic>
         <p:nvPicPr>
+          <p:cNvPr id="99" name="Picture 14" descr="C:\Users\Wendy\Documents\wwn20\Thesis\Chapter6\Figures\Ag_2nm_prof.png"/>
+          <p:cNvPicPr>
+            <a:picLocks noChangeAspect="1" noChangeArrowheads="1"/>
+          </p:cNvPicPr>
+          <p:nvPr/>
+        </p:nvPicPr>
+        <p:blipFill rotWithShape="1">
+          <a:blip r:embed="rId2">
+            <a:extLst>
+              <a:ext uri="{28A0092B-C50C-407E-A947-70E740481C1C}">
+                <a14:useLocalDpi xmlns:a14="http://schemas.microsoft.com/office/drawing/2010/main" val="0"/>
+              </a:ext>
+            </a:extLst>
+          </a:blip>
+          <a:srcRect t="4137"/>
+          <a:stretch/>
+        </p:blipFill>
+        <p:spPr bwMode="auto">
+          <a:xfrm>
+            <a:off x="251520" y="3323223"/>
+            <a:ext cx="4495800" cy="3159324"/>
+          </a:xfrm>
+          <a:prstGeom prst="rect">
+            <a:avLst/>
+          </a:prstGeom>
+          <a:noFill/>
+          <a:extLst>
+            <a:ext uri="{909E8E84-426E-40DD-AFC4-6F175D3DCCD1}">
+              <a14:hiddenFill xmlns:a14="http://schemas.microsoft.com/office/drawing/2010/main">
+                <a:solidFill>
+                  <a:srgbClr val="FFFFFF"/>
+                </a:solidFill>
+              </a14:hiddenFill>
+            </a:ext>
+          </a:extLst>
+        </p:spPr>
+      </p:pic>
+      <p:pic>
+        <p:nvPicPr>
+          <p:cNvPr id="1026" name="Picture 2" descr="C:\Users\Wendy\Documents\wwn20\Thesis\Chapter6\Figures\Ag_CHPI_spec.png"/>
+          <p:cNvPicPr>
+            <a:picLocks noChangeAspect="1" noChangeArrowheads="1"/>
+          </p:cNvPicPr>
+          <p:nvPr/>
+        </p:nvPicPr>
+        <p:blipFill>
+          <a:blip r:embed="rId3">
+            <a:extLst>
+              <a:ext uri="{28A0092B-C50C-407E-A947-70E740481C1C}">
+                <a14:useLocalDpi xmlns:a14="http://schemas.microsoft.com/office/drawing/2010/main" val="0"/>
+              </a:ext>
+            </a:extLst>
+          </a:blip>
+          <a:srcRect/>
+          <a:stretch>
+            <a:fillRect/>
+          </a:stretch>
+        </p:blipFill>
+        <p:spPr bwMode="auto">
+          <a:xfrm>
+            <a:off x="4573338" y="1635324"/>
+            <a:ext cx="5303520" cy="6400800"/>
+          </a:xfrm>
+          <a:prstGeom prst="rect">
+            <a:avLst/>
+          </a:prstGeom>
+          <a:noFill/>
+          <a:extLst>
+            <a:ext uri="{909E8E84-426E-40DD-AFC4-6F175D3DCCD1}">
+              <a14:hiddenFill xmlns:a14="http://schemas.microsoft.com/office/drawing/2010/main">
+                <a:solidFill>
+                  <a:srgbClr val="FFFFFF"/>
+                </a:solidFill>
+              </a14:hiddenFill>
+            </a:ext>
+          </a:extLst>
+        </p:spPr>
+      </p:pic>
+      <p:pic>
+        <p:nvPicPr>
           <p:cNvPr id="98" name="Picture 13" descr="C:\Users\Wendy\Documents\wwn20\Thesis\Chapter6\Figures\Ag_CHPI_prof.png"/>
           <p:cNvPicPr>
             <a:picLocks noChangeAspect="1" noChangeArrowheads="1"/>
@@ -3104,7 +3184,7 @@
           <p:nvPr/>
         </p:nvPicPr>
         <p:blipFill rotWithShape="1">
-          <a:blip r:embed="rId2">
+          <a:blip r:embed="rId4">
             <a:extLst>
               <a:ext uri="{28A0092B-C50C-407E-A947-70E740481C1C}">
                 <a14:useLocalDpi xmlns:a14="http://schemas.microsoft.com/office/drawing/2010/main" val="0"/>
@@ -3136,45 +3216,6 @@
       </p:pic>
       <p:pic>
         <p:nvPicPr>
-          <p:cNvPr id="99" name="Picture 14" descr="C:\Users\Wendy\Documents\wwn20\Thesis\Chapter6\Figures\Ag_2nm_prof.png"/>
-          <p:cNvPicPr>
-            <a:picLocks noChangeAspect="1" noChangeArrowheads="1"/>
-          </p:cNvPicPr>
-          <p:nvPr/>
-        </p:nvPicPr>
-        <p:blipFill rotWithShape="1">
-          <a:blip r:embed="rId3">
-            <a:extLst>
-              <a:ext uri="{28A0092B-C50C-407E-A947-70E740481C1C}">
-                <a14:useLocalDpi xmlns:a14="http://schemas.microsoft.com/office/drawing/2010/main" val="0"/>
-              </a:ext>
-            </a:extLst>
-          </a:blip>
-          <a:srcRect t="4137"/>
-          <a:stretch/>
-        </p:blipFill>
-        <p:spPr bwMode="auto">
-          <a:xfrm>
-            <a:off x="251520" y="3323223"/>
-            <a:ext cx="4495800" cy="3159324"/>
-          </a:xfrm>
-          <a:prstGeom prst="rect">
-            <a:avLst/>
-          </a:prstGeom>
-          <a:noFill/>
-          <a:extLst>
-            <a:ext uri="{909E8E84-426E-40DD-AFC4-6F175D3DCCD1}">
-              <a14:hiddenFill xmlns:a14="http://schemas.microsoft.com/office/drawing/2010/main">
-                <a:solidFill>
-                  <a:srgbClr val="FFFFFF"/>
-                </a:solidFill>
-              </a14:hiddenFill>
-            </a:ext>
-          </a:extLst>
-        </p:spPr>
-      </p:pic>
-      <p:pic>
-        <p:nvPicPr>
           <p:cNvPr id="100" name="Picture 12" descr="C:\Users\Wendy\Documents\wwn20\Thesis\Chapter6\Figures\CHPI_prof.png"/>
           <p:cNvPicPr>
             <a:picLocks noChangeAspect="1" noChangeArrowheads="1"/>
@@ -3182,7 +3223,7 @@
           <p:nvPr/>
         </p:nvPicPr>
         <p:blipFill>
-          <a:blip r:embed="rId4">
+          <a:blip r:embed="rId5">
             <a:extLst>
               <a:ext uri="{28A0092B-C50C-407E-A947-70E740481C1C}">
                 <a14:useLocalDpi xmlns:a14="http://schemas.microsoft.com/office/drawing/2010/main" val="0"/>
@@ -3237,7 +3278,7 @@
             <p:nvPr/>
           </p:nvPicPr>
           <p:blipFill rotWithShape="1">
-            <a:blip r:embed="rId5" cstate="print">
+            <a:blip r:embed="rId6" cstate="print">
               <a:extLst>
                 <a:ext uri="{28A0092B-C50C-407E-A947-70E740481C1C}">
                   <a14:useLocalDpi xmlns:a14="http://schemas.microsoft.com/office/drawing/2010/main" val="0"/>
@@ -3368,11 +3409,11 @@
             <p:nvPr/>
           </p:nvPicPr>
           <p:blipFill rotWithShape="1">
-            <a:blip r:embed="rId6" cstate="print">
+            <a:blip r:embed="rId7" cstate="print">
               <a:extLst>
                 <a:ext uri="{BEBA8EAE-BF5A-486C-A8C5-ECC9F3942E4B}">
                   <a14:imgProps xmlns:a14="http://schemas.microsoft.com/office/drawing/2010/main">
-                    <a14:imgLayer r:embed="rId7">
+                    <a14:imgLayer r:embed="rId8">
                       <a14:imgEffect>
                         <a14:brightnessContrast contrast="20000"/>
                       </a14:imgEffect>
@@ -3468,11 +3509,11 @@
             <p:nvPr/>
           </p:nvPicPr>
           <p:blipFill rotWithShape="1">
-            <a:blip r:embed="rId8" cstate="print">
+            <a:blip r:embed="rId9" cstate="print">
               <a:extLst>
                 <a:ext uri="{BEBA8EAE-BF5A-486C-A8C5-ECC9F3942E4B}">
                   <a14:imgProps xmlns:a14="http://schemas.microsoft.com/office/drawing/2010/main">
-                    <a14:imgLayer r:embed="rId9">
+                    <a14:imgLayer r:embed="rId10">
                       <a14:imgEffect>
                         <a14:brightnessContrast contrast="20000"/>
                       </a14:imgEffect>
@@ -3635,47 +3676,6 @@
           </a:p>
         </p:txBody>
       </p:sp>
-      <p:pic>
-        <p:nvPicPr>
-          <p:cNvPr id="116" name="Picture 18" descr="C:\Users\Wendy\Documents\wwn20\Thesis\Chapter6\Figures\Ag_CHPI_spec.png"/>
-          <p:cNvPicPr>
-            <a:picLocks noChangeAspect="1" noChangeArrowheads="1"/>
-          </p:cNvPicPr>
-          <p:nvPr/>
-        </p:nvPicPr>
-        <p:blipFill>
-          <a:blip r:embed="rId10">
-            <a:extLst>
-              <a:ext uri="{28A0092B-C50C-407E-A947-70E740481C1C}">
-                <a14:useLocalDpi xmlns:a14="http://schemas.microsoft.com/office/drawing/2010/main" val="0"/>
-              </a:ext>
-            </a:extLst>
-          </a:blip>
-          <a:srcRect/>
-          <a:stretch>
-            <a:fillRect/>
-          </a:stretch>
-        </p:blipFill>
-        <p:spPr bwMode="auto">
-          <a:xfrm>
-            <a:off x="4573021" y="1635324"/>
-            <a:ext cx="5303837" cy="6400800"/>
-          </a:xfrm>
-          <a:prstGeom prst="rect">
-            <a:avLst/>
-          </a:prstGeom>
-          <a:noFill/>
-          <a:extLst>
-            <a:ext uri="{909E8E84-426E-40DD-AFC4-6F175D3DCCD1}">
-              <a14:hiddenFill xmlns:a14="http://schemas.microsoft.com/office/drawing/2010/main">
-                <a:solidFill>
-                  <a:srgbClr val="FFFFFF"/>
-                </a:solidFill>
-              </a14:hiddenFill>
-            </a:ext>
-          </a:extLst>
-        </p:spPr>
-      </p:pic>
       <p:cxnSp>
         <p:nvCxnSpPr>
           <p:cNvPr id="115" name="Straight Connector 114"/>

--- a/Chapter6/Figures/Fig8.pptx
+++ b/Chapter6/Figures/Fig8.pptx
@@ -288,7 +288,7 @@
           <a:p>
             <a:fld id="{E2F1EB20-7BAF-476C-8D39-F3C6F5139B9D}" type="datetimeFigureOut">
               <a:rPr lang="en-GB" smtClean="0"/>
-              <a:t>04/07/2014</a:t>
+              <a:t>19/10/2014</a:t>
             </a:fld>
             <a:endParaRPr lang="en-GB"/>
           </a:p>
@@ -458,7 +458,7 @@
           <a:p>
             <a:fld id="{E2F1EB20-7BAF-476C-8D39-F3C6F5139B9D}" type="datetimeFigureOut">
               <a:rPr lang="en-GB" smtClean="0"/>
-              <a:t>04/07/2014</a:t>
+              <a:t>19/10/2014</a:t>
             </a:fld>
             <a:endParaRPr lang="en-GB"/>
           </a:p>
@@ -638,7 +638,7 @@
           <a:p>
             <a:fld id="{E2F1EB20-7BAF-476C-8D39-F3C6F5139B9D}" type="datetimeFigureOut">
               <a:rPr lang="en-GB" smtClean="0"/>
-              <a:t>04/07/2014</a:t>
+              <a:t>19/10/2014</a:t>
             </a:fld>
             <a:endParaRPr lang="en-GB"/>
           </a:p>
@@ -808,7 +808,7 @@
           <a:p>
             <a:fld id="{E2F1EB20-7BAF-476C-8D39-F3C6F5139B9D}" type="datetimeFigureOut">
               <a:rPr lang="en-GB" smtClean="0"/>
-              <a:t>04/07/2014</a:t>
+              <a:t>19/10/2014</a:t>
             </a:fld>
             <a:endParaRPr lang="en-GB"/>
           </a:p>
@@ -1054,7 +1054,7 @@
           <a:p>
             <a:fld id="{E2F1EB20-7BAF-476C-8D39-F3C6F5139B9D}" type="datetimeFigureOut">
               <a:rPr lang="en-GB" smtClean="0"/>
-              <a:t>04/07/2014</a:t>
+              <a:t>19/10/2014</a:t>
             </a:fld>
             <a:endParaRPr lang="en-GB"/>
           </a:p>
@@ -1342,7 +1342,7 @@
           <a:p>
             <a:fld id="{E2F1EB20-7BAF-476C-8D39-F3C6F5139B9D}" type="datetimeFigureOut">
               <a:rPr lang="en-GB" smtClean="0"/>
-              <a:t>04/07/2014</a:t>
+              <a:t>19/10/2014</a:t>
             </a:fld>
             <a:endParaRPr lang="en-GB"/>
           </a:p>
@@ -1764,7 +1764,7 @@
           <a:p>
             <a:fld id="{E2F1EB20-7BAF-476C-8D39-F3C6F5139B9D}" type="datetimeFigureOut">
               <a:rPr lang="en-GB" smtClean="0"/>
-              <a:t>04/07/2014</a:t>
+              <a:t>19/10/2014</a:t>
             </a:fld>
             <a:endParaRPr lang="en-GB"/>
           </a:p>
@@ -1882,7 +1882,7 @@
           <a:p>
             <a:fld id="{E2F1EB20-7BAF-476C-8D39-F3C6F5139B9D}" type="datetimeFigureOut">
               <a:rPr lang="en-GB" smtClean="0"/>
-              <a:t>04/07/2014</a:t>
+              <a:t>19/10/2014</a:t>
             </a:fld>
             <a:endParaRPr lang="en-GB"/>
           </a:p>
@@ -1977,7 +1977,7 @@
           <a:p>
             <a:fld id="{E2F1EB20-7BAF-476C-8D39-F3C6F5139B9D}" type="datetimeFigureOut">
               <a:rPr lang="en-GB" smtClean="0"/>
-              <a:t>04/07/2014</a:t>
+              <a:t>19/10/2014</a:t>
             </a:fld>
             <a:endParaRPr lang="en-GB"/>
           </a:p>
@@ -2254,7 +2254,7 @@
           <a:p>
             <a:fld id="{E2F1EB20-7BAF-476C-8D39-F3C6F5139B9D}" type="datetimeFigureOut">
               <a:rPr lang="en-GB" smtClean="0"/>
-              <a:t>04/07/2014</a:t>
+              <a:t>19/10/2014</a:t>
             </a:fld>
             <a:endParaRPr lang="en-GB"/>
           </a:p>
@@ -2507,7 +2507,7 @@
           <a:p>
             <a:fld id="{E2F1EB20-7BAF-476C-8D39-F3C6F5139B9D}" type="datetimeFigureOut">
               <a:rPr lang="en-GB" smtClean="0"/>
-              <a:t>04/07/2014</a:t>
+              <a:t>19/10/2014</a:t>
             </a:fld>
             <a:endParaRPr lang="en-GB"/>
           </a:p>
@@ -2720,7 +2720,7 @@
           <a:p>
             <a:fld id="{E2F1EB20-7BAF-476C-8D39-F3C6F5139B9D}" type="datetimeFigureOut">
               <a:rPr lang="en-GB" smtClean="0"/>
-              <a:t>04/07/2014</a:t>
+              <a:t>19/10/2014</a:t>
             </a:fld>
             <a:endParaRPr lang="en-GB"/>
           </a:p>
@@ -3136,7 +3136,7 @@
       </p:pic>
       <p:pic>
         <p:nvPicPr>
-          <p:cNvPr id="1026" name="Picture 2" descr="C:\Users\Wendy\Documents\wwn20\Thesis\Chapter6\Figures\Ag_CHPI_spec.png"/>
+          <p:cNvPr id="2" name="Picture 2" descr="C:\Users\Wendy\Documents\wwn20\Thesis\Chapter6\Figures\Ag_CHPI_spec.png"/>
           <p:cNvPicPr>
             <a:picLocks noChangeAspect="1" noChangeArrowheads="1"/>
           </p:cNvPicPr>
@@ -3157,8 +3157,8 @@
         </p:blipFill>
         <p:spPr bwMode="auto">
           <a:xfrm>
-            <a:off x="4573338" y="1635324"/>
-            <a:ext cx="5303520" cy="6400800"/>
+            <a:off x="4574058" y="1636244"/>
+            <a:ext cx="5302800" cy="6399931"/>
           </a:xfrm>
           <a:prstGeom prst="rect">
             <a:avLst/>
@@ -3684,7 +3684,7 @@
         </p:nvCxnSpPr>
         <p:spPr>
           <a:xfrm>
-            <a:off x="6262761" y="1887331"/>
+            <a:off x="6253236" y="1887331"/>
             <a:ext cx="0" cy="5472000"/>
           </a:xfrm>
           <a:prstGeom prst="line">
